--- a/Documentation/Class Presentations/Are We There Yet Progress Report 2.pptx
+++ b/Documentation/Class Presentations/Are We There Yet Progress Report 2.pptx
@@ -5,14 +5,15 @@
     <p:sldMasterId id="2147483660" r:id="rId1"/>
   </p:sldMasterIdLst>
   <p:notesMasterIdLst>
-    <p:notesMasterId r:id="rId7"/>
+    <p:notesMasterId r:id="rId8"/>
   </p:notesMasterIdLst>
   <p:sldIdLst>
     <p:sldId id="256" r:id="rId2"/>
     <p:sldId id="258" r:id="rId3"/>
     <p:sldId id="259" r:id="rId4"/>
-    <p:sldId id="261" r:id="rId5"/>
-    <p:sldId id="260" r:id="rId6"/>
+    <p:sldId id="262" r:id="rId5"/>
+    <p:sldId id="261" r:id="rId6"/>
+    <p:sldId id="260" r:id="rId7"/>
   </p:sldIdLst>
   <p:sldSz cx="12192000" cy="6858000"/>
   <p:notesSz cx="6858000" cy="9144000"/>
@@ -111,6 +112,11 @@
       </a:defRPr>
     </a:lvl9pPr>
   </p:defaultTextStyle>
+  <p:extLst>
+    <p:ext uri="{EFAFB233-063F-42B5-8137-9DF3F51BA10A}">
+      <p15:sldGuideLst xmlns:p15="http://schemas.microsoft.com/office/powerpoint/2012/main"/>
+    </p:ext>
+  </p:extLst>
 </p:presentation>
 </file>
 
@@ -196,7 +202,7 @@
           <a:p>
             <a:fld id="{2C9EC167-FFA2-4EB7-8B73-3C9F47D00B85}" type="datetimeFigureOut">
               <a:rPr lang="en-US" smtClean="0"/>
-              <a:t>9/14/2014</a:t>
+              <a:t>9/16/2014</a:t>
             </a:fld>
             <a:endParaRPr lang="en-US"/>
           </a:p>
@@ -830,7 +836,7 @@
           <a:p>
             <a:fld id="{AA2BA4C4-4124-4F1E-8DC3-EF7BB95E200E}" type="datetimeFigureOut">
               <a:rPr lang="en-US" smtClean="0"/>
-              <a:t>9/14/2014</a:t>
+              <a:t>9/16/2014</a:t>
             </a:fld>
             <a:endParaRPr lang="en-US"/>
           </a:p>
@@ -1244,7 +1250,7 @@
           <a:p>
             <a:fld id="{AA2BA4C4-4124-4F1E-8DC3-EF7BB95E200E}" type="datetimeFigureOut">
               <a:rPr lang="en-US" smtClean="0"/>
-              <a:t>9/14/2014</a:t>
+              <a:t>9/16/2014</a:t>
             </a:fld>
             <a:endParaRPr lang="en-US"/>
           </a:p>
@@ -1580,7 +1586,7 @@
           <a:p>
             <a:fld id="{AA2BA4C4-4124-4F1E-8DC3-EF7BB95E200E}" type="datetimeFigureOut">
               <a:rPr lang="en-US" smtClean="0"/>
-              <a:t>9/14/2014</a:t>
+              <a:t>9/16/2014</a:t>
             </a:fld>
             <a:endParaRPr lang="en-US"/>
           </a:p>
@@ -1985,7 +1991,7 @@
           <a:p>
             <a:fld id="{AA2BA4C4-4124-4F1E-8DC3-EF7BB95E200E}" type="datetimeFigureOut">
               <a:rPr lang="en-US" smtClean="0"/>
-              <a:t>9/14/2014</a:t>
+              <a:t>9/16/2014</a:t>
             </a:fld>
             <a:endParaRPr lang="en-US"/>
           </a:p>
@@ -2553,7 +2559,7 @@
           <a:p>
             <a:fld id="{AA2BA4C4-4124-4F1E-8DC3-EF7BB95E200E}" type="datetimeFigureOut">
               <a:rPr lang="en-US" smtClean="0"/>
-              <a:t>9/14/2014</a:t>
+              <a:t>9/16/2014</a:t>
             </a:fld>
             <a:endParaRPr lang="en-US"/>
           </a:p>
@@ -3234,7 +3240,7 @@
           <a:p>
             <a:fld id="{AA2BA4C4-4124-4F1E-8DC3-EF7BB95E200E}" type="datetimeFigureOut">
               <a:rPr lang="en-US" smtClean="0"/>
-              <a:t>9/14/2014</a:t>
+              <a:t>9/16/2014</a:t>
             </a:fld>
             <a:endParaRPr lang="en-US"/>
           </a:p>
@@ -4147,7 +4153,7 @@
           <a:p>
             <a:fld id="{AA2BA4C4-4124-4F1E-8DC3-EF7BB95E200E}" type="datetimeFigureOut">
               <a:rPr lang="en-US" smtClean="0"/>
-              <a:t>9/14/2014</a:t>
+              <a:t>9/16/2014</a:t>
             </a:fld>
             <a:endParaRPr lang="en-US"/>
           </a:p>
@@ -4460,7 +4466,7 @@
           <a:p>
             <a:fld id="{AA2BA4C4-4124-4F1E-8DC3-EF7BB95E200E}" type="datetimeFigureOut">
               <a:rPr lang="en-US" smtClean="0"/>
-              <a:t>9/14/2014</a:t>
+              <a:t>9/16/2014</a:t>
             </a:fld>
             <a:endParaRPr lang="en-US"/>
           </a:p>
@@ -4724,7 +4730,7 @@
           <a:p>
             <a:fld id="{AA2BA4C4-4124-4F1E-8DC3-EF7BB95E200E}" type="datetimeFigureOut">
               <a:rPr lang="en-US" smtClean="0"/>
-              <a:t>9/14/2014</a:t>
+              <a:t>9/16/2014</a:t>
             </a:fld>
             <a:endParaRPr lang="en-US"/>
           </a:p>
@@ -5047,7 +5053,7 @@
           <a:p>
             <a:fld id="{AA2BA4C4-4124-4F1E-8DC3-EF7BB95E200E}" type="datetimeFigureOut">
               <a:rPr lang="en-US" smtClean="0"/>
-              <a:t>9/14/2014</a:t>
+              <a:t>9/16/2014</a:t>
             </a:fld>
             <a:endParaRPr lang="en-US"/>
           </a:p>
@@ -5436,7 +5442,7 @@
           <a:p>
             <a:fld id="{AA2BA4C4-4124-4F1E-8DC3-EF7BB95E200E}" type="datetimeFigureOut">
               <a:rPr lang="en-US" smtClean="0"/>
-              <a:t>9/14/2014</a:t>
+              <a:t>9/16/2014</a:t>
             </a:fld>
             <a:endParaRPr lang="en-US"/>
           </a:p>
@@ -5812,7 +5818,7 @@
           <a:p>
             <a:fld id="{AA2BA4C4-4124-4F1E-8DC3-EF7BB95E200E}" type="datetimeFigureOut">
               <a:rPr lang="en-US" smtClean="0"/>
-              <a:t>9/14/2014</a:t>
+              <a:t>9/16/2014</a:t>
             </a:fld>
             <a:endParaRPr lang="en-US"/>
           </a:p>
@@ -6318,7 +6324,7 @@
           <a:p>
             <a:fld id="{AA2BA4C4-4124-4F1E-8DC3-EF7BB95E200E}" type="datetimeFigureOut">
               <a:rPr lang="en-US" smtClean="0"/>
-              <a:t>9/14/2014</a:t>
+              <a:t>9/16/2014</a:t>
             </a:fld>
             <a:endParaRPr lang="en-US"/>
           </a:p>
@@ -6575,7 +6581,7 @@
           <a:p>
             <a:fld id="{AA2BA4C4-4124-4F1E-8DC3-EF7BB95E200E}" type="datetimeFigureOut">
               <a:rPr lang="en-US" smtClean="0"/>
-              <a:t>9/14/2014</a:t>
+              <a:t>9/16/2014</a:t>
             </a:fld>
             <a:endParaRPr lang="en-US"/>
           </a:p>
@@ -6738,7 +6744,7 @@
           <a:p>
             <a:fld id="{AA2BA4C4-4124-4F1E-8DC3-EF7BB95E200E}" type="datetimeFigureOut">
               <a:rPr lang="en-US" smtClean="0"/>
-              <a:t>9/14/2014</a:t>
+              <a:t>9/16/2014</a:t>
             </a:fld>
             <a:endParaRPr lang="en-US"/>
           </a:p>
@@ -7128,7 +7134,7 @@
           <a:p>
             <a:fld id="{AA2BA4C4-4124-4F1E-8DC3-EF7BB95E200E}" type="datetimeFigureOut">
               <a:rPr lang="en-US" smtClean="0"/>
-              <a:t>9/14/2014</a:t>
+              <a:t>9/16/2014</a:t>
             </a:fld>
             <a:endParaRPr lang="en-US"/>
           </a:p>
@@ -7537,7 +7543,7 @@
           <a:p>
             <a:fld id="{AA2BA4C4-4124-4F1E-8DC3-EF7BB95E200E}" type="datetimeFigureOut">
               <a:rPr lang="en-US" smtClean="0"/>
-              <a:t>9/14/2014</a:t>
+              <a:t>9/16/2014</a:t>
             </a:fld>
             <a:endParaRPr lang="en-US"/>
           </a:p>
@@ -7781,7 +7787,7 @@
           <a:p>
             <a:fld id="{AA2BA4C4-4124-4F1E-8DC3-EF7BB95E200E}" type="datetimeFigureOut">
               <a:rPr lang="en-US" smtClean="0"/>
-              <a:t>9/14/2014</a:t>
+              <a:t>9/16/2014</a:t>
             </a:fld>
             <a:endParaRPr lang="en-US"/>
           </a:p>
@@ -8489,6 +8495,127 @@
           <a:p>
             <a:r>
               <a:rPr lang="en-US" dirty="0" smtClean="0"/>
+              <a:t>Requirement Changes</a:t>
+            </a:r>
+            <a:endParaRPr lang="en-US" dirty="0"/>
+          </a:p>
+        </p:txBody>
+      </p:sp>
+      <p:sp>
+        <p:nvSpPr>
+          <p:cNvPr id="3" name="Content Placeholder 2"/>
+          <p:cNvSpPr>
+            <a:spLocks noGrp="1"/>
+          </p:cNvSpPr>
+          <p:nvPr>
+            <p:ph idx="1"/>
+          </p:nvPr>
+        </p:nvSpPr>
+        <p:spPr/>
+        <p:txBody>
+          <a:bodyPr/>
+          <a:lstStyle/>
+          <a:p>
+            <a:r>
+              <a:rPr lang="en-US" dirty="0" smtClean="0"/>
+              <a:t>Initial Requirement</a:t>
+            </a:r>
+          </a:p>
+          <a:p>
+            <a:pPr lvl="1"/>
+            <a:r>
+              <a:rPr lang="en-US" dirty="0"/>
+              <a:t>The system shall operate for a minimum of three consecutive </a:t>
+            </a:r>
+            <a:r>
+              <a:rPr lang="en-US" u="sng" dirty="0"/>
+              <a:t>course rounds </a:t>
+            </a:r>
+            <a:r>
+              <a:rPr lang="en-US" dirty="0"/>
+              <a:t>each having duration of five (5) minutes, on one battery life</a:t>
+            </a:r>
+            <a:r>
+              <a:rPr lang="en-US" dirty="0" smtClean="0"/>
+              <a:t>.</a:t>
+            </a:r>
+          </a:p>
+          <a:p>
+            <a:r>
+              <a:rPr lang="en-US" dirty="0" smtClean="0"/>
+              <a:t>Edited Requirement</a:t>
+            </a:r>
+          </a:p>
+          <a:p>
+            <a:pPr lvl="1"/>
+            <a:r>
+              <a:rPr lang="en-US" dirty="0"/>
+              <a:t>The system shall operate on one battery life for a minimum of three consecutive </a:t>
+            </a:r>
+            <a:r>
+              <a:rPr lang="en-US" u="sng" dirty="0"/>
+              <a:t>course rounds,</a:t>
+            </a:r>
+            <a:r>
+              <a:rPr lang="en-US" dirty="0"/>
+              <a:t> each having duration of five (5) minutes.</a:t>
+            </a:r>
+          </a:p>
+          <a:p>
+            <a:pPr marL="457200" lvl="1" indent="0">
+              <a:buNone/>
+            </a:pPr>
+            <a:endParaRPr lang="en-US" dirty="0" smtClean="0"/>
+          </a:p>
+        </p:txBody>
+      </p:sp>
+    </p:spTree>
+    <p:extLst>
+      <p:ext uri="{BB962C8B-B14F-4D97-AF65-F5344CB8AC3E}">
+        <p14:creationId xmlns:p14="http://schemas.microsoft.com/office/powerpoint/2010/main" val="4193769482"/>
+      </p:ext>
+    </p:extLst>
+  </p:cSld>
+  <p:clrMapOvr>
+    <a:masterClrMapping/>
+  </p:clrMapOvr>
+</p:sld>
+</file>
+
+<file path=ppt/slides/slide5.xml><?xml version="1.0" encoding="utf-8"?>
+<p:sld xmlns:a="http://schemas.openxmlformats.org/drawingml/2006/main" xmlns:r="http://schemas.openxmlformats.org/officeDocument/2006/relationships" xmlns:p="http://schemas.openxmlformats.org/presentationml/2006/main">
+  <p:cSld>
+    <p:spTree>
+      <p:nvGrpSpPr>
+        <p:cNvPr id="1" name=""/>
+        <p:cNvGrpSpPr/>
+        <p:nvPr/>
+      </p:nvGrpSpPr>
+      <p:grpSpPr>
+        <a:xfrm>
+          <a:off x="0" y="0"/>
+          <a:ext cx="0" cy="0"/>
+          <a:chOff x="0" y="0"/>
+          <a:chExt cx="0" cy="0"/>
+        </a:xfrm>
+      </p:grpSpPr>
+      <p:sp>
+        <p:nvSpPr>
+          <p:cNvPr id="2" name="Title 1"/>
+          <p:cNvSpPr>
+            <a:spLocks noGrp="1"/>
+          </p:cNvSpPr>
+          <p:nvPr>
+            <p:ph type="title"/>
+          </p:nvPr>
+        </p:nvSpPr>
+        <p:spPr/>
+        <p:txBody>
+          <a:bodyPr/>
+          <a:lstStyle/>
+          <a:p>
+            <a:r>
+              <a:rPr lang="en-US" dirty="0" smtClean="0"/>
               <a:t>Next Steps</a:t>
             </a:r>
             <a:endParaRPr lang="en-US" dirty="0"/>
@@ -8562,7 +8689,7 @@
 </p:sld>
 </file>
 
-<file path=ppt/slides/slide5.xml><?xml version="1.0" encoding="utf-8"?>
+<file path=ppt/slides/slide6.xml><?xml version="1.0" encoding="utf-8"?>
 <p:sld xmlns:a="http://schemas.openxmlformats.org/drawingml/2006/main" xmlns:r="http://schemas.openxmlformats.org/officeDocument/2006/relationships" xmlns:p="http://schemas.openxmlformats.org/presentationml/2006/main">
   <p:cSld>
     <p:spTree>

--- a/Documentation/Class Presentations/Are We There Yet Progress Report 2.pptx
+++ b/Documentation/Class Presentations/Are We There Yet Progress Report 2.pptx
@@ -9,9 +9,9 @@
   </p:notesMasterIdLst>
   <p:sldIdLst>
     <p:sldId id="256" r:id="rId2"/>
-    <p:sldId id="258" r:id="rId3"/>
-    <p:sldId id="259" r:id="rId4"/>
-    <p:sldId id="262" r:id="rId5"/>
+    <p:sldId id="259" r:id="rId3"/>
+    <p:sldId id="262" r:id="rId4"/>
+    <p:sldId id="263" r:id="rId5"/>
     <p:sldId id="261" r:id="rId6"/>
     <p:sldId id="260" r:id="rId7"/>
   </p:sldIdLst>
@@ -543,7 +543,7 @@
           <a:p>
             <a:fld id="{5A734250-BD7C-4963-9CC0-E1EDE5C241D8}" type="slidenum">
               <a:rPr lang="en-US" smtClean="0"/>
-              <a:t>3</a:t>
+              <a:t>2</a:t>
             </a:fld>
             <a:endParaRPr lang="en-US"/>
           </a:p>
@@ -8254,6 +8254,13 @@
   <p:clrMapOvr>
     <a:masterClrMapping/>
   </p:clrMapOvr>
+  <p:timing>
+    <p:tnLst>
+      <p:par>
+        <p:cTn id="1" dur="indefinite" restart="never" nodeType="tmRoot"/>
+      </p:par>
+    </p:tnLst>
+  </p:timing>
 </p:sld>
 </file>
 
@@ -8291,7 +8298,7 @@
           <a:p>
             <a:r>
               <a:rPr lang="en-US" dirty="0" smtClean="0"/>
-              <a:t>Development Organization</a:t>
+              <a:t>Requirements Document Update</a:t>
             </a:r>
             <a:endParaRPr lang="en-US" dirty="0"/>
           </a:p>
@@ -8314,44 +8321,57 @@
           <a:p>
             <a:r>
               <a:rPr lang="en-US" dirty="0" smtClean="0"/>
-              <a:t>Team Leader and Scrum Master: Brian Powell </a:t>
-            </a:r>
+              <a:t>SRS submitted for initial review</a:t>
+            </a:r>
+          </a:p>
+          <a:p>
+            <a:endParaRPr lang="en-US" dirty="0"/>
           </a:p>
           <a:p>
             <a:r>
               <a:rPr lang="en-US" dirty="0" smtClean="0"/>
-              <a:t>Development Leader: Brian Sterling</a:t>
-            </a:r>
-          </a:p>
-          <a:p>
+              <a:t>Items needing clarification:</a:t>
+            </a:r>
+          </a:p>
+          <a:p>
+            <a:pPr lvl="1"/>
             <a:r>
               <a:rPr lang="en-US" dirty="0" smtClean="0"/>
-              <a:t>Testing Leader: Alex Senopoulos</a:t>
-            </a:r>
-          </a:p>
-          <a:p>
+              <a:t>Details on challenge completion</a:t>
+            </a:r>
+          </a:p>
+          <a:p>
+            <a:pPr lvl="2"/>
             <a:r>
               <a:rPr lang="en-US" dirty="0" smtClean="0"/>
-              <a:t>Software Configuration Manager: Michael </a:t>
-            </a:r>
-            <a:r>
-              <a:rPr lang="en-US" dirty="0" err="1" smtClean="0"/>
-              <a:t>Philotoff</a:t>
-            </a:r>
-            <a:endParaRPr lang="en-US" dirty="0" smtClean="0"/>
+              <a:t>“Cheating” the Simon system</a:t>
+            </a:r>
+          </a:p>
+          <a:p>
+            <a:pPr marL="914400" lvl="2" indent="0">
+              <a:buNone/>
+            </a:pPr>
+            <a:endParaRPr lang="en-US" dirty="0"/>
           </a:p>
         </p:txBody>
       </p:sp>
     </p:spTree>
     <p:extLst>
       <p:ext uri="{BB962C8B-B14F-4D97-AF65-F5344CB8AC3E}">
-        <p14:creationId xmlns:p14="http://schemas.microsoft.com/office/powerpoint/2010/main" val="1219293524"/>
+        <p14:creationId xmlns:p14="http://schemas.microsoft.com/office/powerpoint/2010/main" val="1980070260"/>
       </p:ext>
     </p:extLst>
   </p:cSld>
   <p:clrMapOvr>
     <a:masterClrMapping/>
   </p:clrMapOvr>
+  <p:timing>
+    <p:tnLst>
+      <p:par>
+        <p:cTn id="1" dur="indefinite" restart="never" nodeType="tmRoot"/>
+      </p:par>
+    </p:tnLst>
+  </p:timing>
 </p:sld>
 </file>
 
@@ -8389,7 +8409,7 @@
           <a:p>
             <a:r>
               <a:rPr lang="en-US" dirty="0" smtClean="0"/>
-              <a:t>Requirements Document Update</a:t>
+              <a:t>Requirement Changes</a:t>
             </a:r>
             <a:endParaRPr lang="en-US" dirty="0"/>
           </a:p>
@@ -8412,52 +8432,74 @@
           <a:p>
             <a:r>
               <a:rPr lang="en-US" dirty="0" smtClean="0"/>
-              <a:t>SRS submitted for initial review</a:t>
-            </a:r>
-          </a:p>
-          <a:p>
-            <a:endParaRPr lang="en-US" dirty="0"/>
-          </a:p>
-          <a:p>
+              <a:t>Initial Requirement</a:t>
+            </a:r>
+          </a:p>
+          <a:p>
+            <a:pPr lvl="1"/>
+            <a:r>
+              <a:rPr lang="en-US" dirty="0"/>
+              <a:t>The system shall operate for a minimum of three consecutive </a:t>
+            </a:r>
+            <a:r>
+              <a:rPr lang="en-US" u="sng" dirty="0"/>
+              <a:t>course rounds </a:t>
+            </a:r>
+            <a:r>
+              <a:rPr lang="en-US" dirty="0"/>
+              <a:t>each having duration of five (5) minutes, on one battery life</a:t>
+            </a:r>
             <a:r>
               <a:rPr lang="en-US" dirty="0" smtClean="0"/>
-              <a:t>Items needing clarification:</a:t>
+              <a:t>.</a:t>
+            </a:r>
+          </a:p>
+          <a:p>
+            <a:r>
+              <a:rPr lang="en-US" dirty="0" smtClean="0"/>
+              <a:t>Edited Requirement</a:t>
             </a:r>
           </a:p>
           <a:p>
             <a:pPr lvl="1"/>
             <a:r>
-              <a:rPr lang="en-US" dirty="0" smtClean="0"/>
-              <a:t>Details on challenge completion</a:t>
-            </a:r>
-          </a:p>
-          <a:p>
-            <a:pPr lvl="2"/>
-            <a:r>
-              <a:rPr lang="en-US" dirty="0" smtClean="0"/>
-              <a:t>“Cheating” the Simon system</a:t>
-            </a:r>
-          </a:p>
-          <a:p>
-            <a:pPr lvl="2"/>
-            <a:r>
-              <a:rPr lang="en-US" dirty="0" smtClean="0"/>
-              <a:t>What does obstructing the challenge mean?</a:t>
-            </a:r>
-            <a:endParaRPr lang="en-US" dirty="0"/>
+              <a:rPr lang="en-US" dirty="0"/>
+              <a:t>The system shall operate on one battery life for a minimum of three consecutive </a:t>
+            </a:r>
+            <a:r>
+              <a:rPr lang="en-US" u="sng" dirty="0"/>
+              <a:t>course rounds,</a:t>
+            </a:r>
+            <a:r>
+              <a:rPr lang="en-US" dirty="0"/>
+              <a:t> each having duration of five (5) minutes.</a:t>
+            </a:r>
+          </a:p>
+          <a:p>
+            <a:pPr marL="457200" lvl="1" indent="0">
+              <a:buNone/>
+            </a:pPr>
+            <a:endParaRPr lang="en-US" dirty="0" smtClean="0"/>
           </a:p>
         </p:txBody>
       </p:sp>
     </p:spTree>
     <p:extLst>
       <p:ext uri="{BB962C8B-B14F-4D97-AF65-F5344CB8AC3E}">
-        <p14:creationId xmlns:p14="http://schemas.microsoft.com/office/powerpoint/2010/main" val="1980070260"/>
+        <p14:creationId xmlns:p14="http://schemas.microsoft.com/office/powerpoint/2010/main" val="4193769482"/>
       </p:ext>
     </p:extLst>
   </p:cSld>
   <p:clrMapOvr>
     <a:masterClrMapping/>
   </p:clrMapOvr>
+  <p:timing>
+    <p:tnLst>
+      <p:par>
+        <p:cTn id="1" dur="indefinite" restart="never" nodeType="tmRoot"/>
+      </p:par>
+    </p:tnLst>
+  </p:timing>
 </p:sld>
 </file>
 
@@ -8495,7 +8537,7 @@
           <a:p>
             <a:r>
               <a:rPr lang="en-US" dirty="0" smtClean="0"/>
-              <a:t>Requirement Changes</a:t>
+              <a:t>Requirements Needing Refinement</a:t>
             </a:r>
             <a:endParaRPr lang="en-US" dirty="0"/>
           </a:p>
@@ -8516,69 +8558,61 @@
           <a:bodyPr/>
           <a:lstStyle/>
           <a:p>
-            <a:r>
-              <a:rPr lang="en-US" dirty="0" smtClean="0"/>
-              <a:t>Initial Requirement</a:t>
-            </a:r>
-          </a:p>
-          <a:p>
-            <a:pPr lvl="1"/>
-            <a:r>
-              <a:rPr lang="en-US" dirty="0"/>
-              <a:t>The system shall operate for a minimum of three consecutive </a:t>
-            </a:r>
-            <a:r>
-              <a:rPr lang="en-US" u="sng" dirty="0"/>
-              <a:t>course rounds </a:t>
-            </a:r>
-            <a:r>
-              <a:rPr lang="en-US" dirty="0"/>
-              <a:t>each having duration of five (5) minutes, on one battery life</a:t>
-            </a:r>
-            <a:r>
-              <a:rPr lang="en-US" dirty="0" smtClean="0"/>
-              <a:t>.</a:t>
-            </a:r>
-          </a:p>
-          <a:p>
-            <a:r>
-              <a:rPr lang="en-US" dirty="0" smtClean="0"/>
-              <a:t>Edited Requirement</a:t>
-            </a:r>
-          </a:p>
-          <a:p>
-            <a:pPr lvl="1"/>
-            <a:r>
-              <a:rPr lang="en-US" dirty="0"/>
-              <a:t>The system shall operate on one battery life for a minimum of three consecutive </a:t>
-            </a:r>
-            <a:r>
-              <a:rPr lang="en-US" u="sng" dirty="0"/>
-              <a:t>course rounds,</a:t>
-            </a:r>
-            <a:r>
-              <a:rPr lang="en-US" dirty="0"/>
-              <a:t> each having duration of five (5) minutes.</a:t>
-            </a:r>
-          </a:p>
-          <a:p>
-            <a:pPr marL="457200" lvl="1" indent="0">
-              <a:buNone/>
+            <a:pPr marL="228600" lvl="2">
+              <a:spcBef>
+                <a:spcPts val="1000"/>
+              </a:spcBef>
             </a:pPr>
-            <a:endParaRPr lang="en-US" dirty="0" smtClean="0"/>
+            <a:r>
+              <a:rPr lang="en-US" sz="2400" dirty="0"/>
+              <a:t>The </a:t>
+            </a:r>
+            <a:r>
+              <a:rPr lang="en-US" sz="2400" dirty="0"/>
+              <a:t>system shall track its movement along the Scotch Blue Painter’s tape. </a:t>
+            </a:r>
+            <a:endParaRPr lang="en-US" sz="2400" dirty="0"/>
+          </a:p>
+          <a:p>
+            <a:pPr marL="228600" lvl="2">
+              <a:spcBef>
+                <a:spcPts val="1000"/>
+              </a:spcBef>
+            </a:pPr>
+            <a:r>
+              <a:rPr lang="en-US" sz="2400" dirty="0"/>
+              <a:t>The system shall respond to the last color in the Simon within [TBD] amount of time.</a:t>
+            </a:r>
+          </a:p>
+          <a:p>
+            <a:pPr marL="228600" lvl="2"/>
+            <a:endParaRPr lang="en-US" dirty="0"/>
+          </a:p>
+          <a:p>
+            <a:pPr marL="0" indent="0">
+              <a:buNone/>
+            </a:pPr>
+            <a:endParaRPr lang="en-US" dirty="0"/>
           </a:p>
         </p:txBody>
       </p:sp>
     </p:spTree>
     <p:extLst>
       <p:ext uri="{BB962C8B-B14F-4D97-AF65-F5344CB8AC3E}">
-        <p14:creationId xmlns:p14="http://schemas.microsoft.com/office/powerpoint/2010/main" val="4193769482"/>
+        <p14:creationId xmlns:p14="http://schemas.microsoft.com/office/powerpoint/2010/main" val="2368076612"/>
       </p:ext>
     </p:extLst>
   </p:cSld>
   <p:clrMapOvr>
     <a:masterClrMapping/>
   </p:clrMapOvr>
+  <p:timing>
+    <p:tnLst>
+      <p:par>
+        <p:cTn id="1" dur="indefinite" restart="never" nodeType="tmRoot"/>
+      </p:par>
+    </p:tnLst>
+  </p:timing>
 </p:sld>
 </file>
 
@@ -8686,6 +8720,13 @@
   <p:clrMapOvr>
     <a:masterClrMapping/>
   </p:clrMapOvr>
+  <p:timing>
+    <p:tnLst>
+      <p:par>
+        <p:cTn id="1" dur="indefinite" restart="never" nodeType="tmRoot"/>
+      </p:par>
+    </p:tnLst>
+  </p:timing>
 </p:sld>
 </file>
 
@@ -8739,6 +8780,13 @@
   <p:clrMapOvr>
     <a:masterClrMapping/>
   </p:clrMapOvr>
+  <p:timing>
+    <p:tnLst>
+      <p:par>
+        <p:cTn id="1" dur="indefinite" restart="never" nodeType="tmRoot"/>
+      </p:par>
+    </p:tnLst>
+  </p:timing>
 </p:sld>
 </file>
 

--- a/Documentation/Class Presentations/Are We There Yet Progress Report 2.pptx
+++ b/Documentation/Class Presentations/Are We There Yet Progress Report 2.pptx
@@ -514,6 +514,90 @@
           <a:bodyPr/>
           <a:lstStyle/>
           <a:p>
+            <a:endParaRPr lang="en-US"/>
+          </a:p>
+        </p:txBody>
+      </p:sp>
+      <p:sp>
+        <p:nvSpPr>
+          <p:cNvPr id="4" name="Slide Number Placeholder 3"/>
+          <p:cNvSpPr>
+            <a:spLocks noGrp="1"/>
+          </p:cNvSpPr>
+          <p:nvPr>
+            <p:ph type="sldNum" sz="quarter" idx="10"/>
+          </p:nvPr>
+        </p:nvSpPr>
+        <p:spPr/>
+        <p:txBody>
+          <a:bodyPr/>
+          <a:lstStyle/>
+          <a:p>
+            <a:fld id="{5A734250-BD7C-4963-9CC0-E1EDE5C241D8}" type="slidenum">
+              <a:rPr lang="en-US" smtClean="0"/>
+              <a:t>1</a:t>
+            </a:fld>
+            <a:endParaRPr lang="en-US"/>
+          </a:p>
+        </p:txBody>
+      </p:sp>
+    </p:spTree>
+    <p:extLst>
+      <p:ext uri="{BB962C8B-B14F-4D97-AF65-F5344CB8AC3E}">
+        <p14:creationId xmlns:p14="http://schemas.microsoft.com/office/powerpoint/2010/main" val="2509071436"/>
+      </p:ext>
+    </p:extLst>
+  </p:cSld>
+  <p:clrMapOvr>
+    <a:masterClrMapping/>
+  </p:clrMapOvr>
+</p:notes>
+</file>
+
+<file path=ppt/notesSlides/notesSlide2.xml><?xml version="1.0" encoding="utf-8"?>
+<p:notes xmlns:a="http://schemas.openxmlformats.org/drawingml/2006/main" xmlns:r="http://schemas.openxmlformats.org/officeDocument/2006/relationships" xmlns:p="http://schemas.openxmlformats.org/presentationml/2006/main">
+  <p:cSld>
+    <p:spTree>
+      <p:nvGrpSpPr>
+        <p:cNvPr id="1" name=""/>
+        <p:cNvGrpSpPr/>
+        <p:nvPr/>
+      </p:nvGrpSpPr>
+      <p:grpSpPr>
+        <a:xfrm>
+          <a:off x="0" y="0"/>
+          <a:ext cx="0" cy="0"/>
+          <a:chOff x="0" y="0"/>
+          <a:chExt cx="0" cy="0"/>
+        </a:xfrm>
+      </p:grpSpPr>
+      <p:sp>
+        <p:nvSpPr>
+          <p:cNvPr id="2" name="Slide Image Placeholder 1"/>
+          <p:cNvSpPr>
+            <a:spLocks noGrp="1" noRot="1" noChangeAspect="1"/>
+          </p:cNvSpPr>
+          <p:nvPr>
+            <p:ph type="sldImg"/>
+          </p:nvPr>
+        </p:nvSpPr>
+        <p:spPr/>
+      </p:sp>
+      <p:sp>
+        <p:nvSpPr>
+          <p:cNvPr id="3" name="Notes Placeholder 2"/>
+          <p:cNvSpPr>
+            <a:spLocks noGrp="1"/>
+          </p:cNvSpPr>
+          <p:nvPr>
+            <p:ph type="body" idx="1"/>
+          </p:nvPr>
+        </p:nvSpPr>
+        <p:spPr/>
+        <p:txBody>
+          <a:bodyPr/>
+          <a:lstStyle/>
+          <a:p>
             <a:r>
               <a:rPr lang="en-US" dirty="0" smtClean="0"/>
               <a:t>Challenge</a:t>
@@ -834,7 +918,7 @@
           <a:bodyPr/>
           <a:lstStyle/>
           <a:p>
-            <a:fld id="{AA2BA4C4-4124-4F1E-8DC3-EF7BB95E200E}" type="datetimeFigureOut">
+            <a:fld id="{E5E3AE61-F2A0-46C9-B6C1-A18F2BB24D45}" type="datetime1">
               <a:rPr lang="en-US" smtClean="0"/>
               <a:t>9/16/2014</a:t>
             </a:fld>
@@ -1248,7 +1332,7 @@
           <a:bodyPr/>
           <a:lstStyle/>
           <a:p>
-            <a:fld id="{AA2BA4C4-4124-4F1E-8DC3-EF7BB95E200E}" type="datetimeFigureOut">
+            <a:fld id="{F483FC36-0E13-45AD-A649-57B766742201}" type="datetime1">
               <a:rPr lang="en-US" smtClean="0"/>
               <a:t>9/16/2014</a:t>
             </a:fld>
@@ -1584,7 +1668,7 @@
           <a:bodyPr/>
           <a:lstStyle/>
           <a:p>
-            <a:fld id="{AA2BA4C4-4124-4F1E-8DC3-EF7BB95E200E}" type="datetimeFigureOut">
+            <a:fld id="{6B5DE723-4941-4810-B1CB-77EA20563854}" type="datetime1">
               <a:rPr lang="en-US" smtClean="0"/>
               <a:t>9/16/2014</a:t>
             </a:fld>
@@ -1989,7 +2073,7 @@
           <a:bodyPr/>
           <a:lstStyle/>
           <a:p>
-            <a:fld id="{AA2BA4C4-4124-4F1E-8DC3-EF7BB95E200E}" type="datetimeFigureOut">
+            <a:fld id="{D9715604-2D21-4B80-9018-2FC5FB95C751}" type="datetime1">
               <a:rPr lang="en-US" smtClean="0"/>
               <a:t>9/16/2014</a:t>
             </a:fld>
@@ -2557,7 +2641,7 @@
           <a:bodyPr/>
           <a:lstStyle/>
           <a:p>
-            <a:fld id="{AA2BA4C4-4124-4F1E-8DC3-EF7BB95E200E}" type="datetimeFigureOut">
+            <a:fld id="{572DBF62-07B6-4D02-B07D-0F5ECE7B3188}" type="datetime1">
               <a:rPr lang="en-US" smtClean="0"/>
               <a:t>9/16/2014</a:t>
             </a:fld>
@@ -3238,7 +3322,7 @@
           <a:bodyPr/>
           <a:lstStyle/>
           <a:p>
-            <a:fld id="{AA2BA4C4-4124-4F1E-8DC3-EF7BB95E200E}" type="datetimeFigureOut">
+            <a:fld id="{97B1BF5F-F747-4874-8E26-CA1A1F164FB1}" type="datetime1">
               <a:rPr lang="en-US" smtClean="0"/>
               <a:t>9/16/2014</a:t>
             </a:fld>
@@ -4151,7 +4235,7 @@
           <a:bodyPr/>
           <a:lstStyle/>
           <a:p>
-            <a:fld id="{AA2BA4C4-4124-4F1E-8DC3-EF7BB95E200E}" type="datetimeFigureOut">
+            <a:fld id="{53B881AF-E8C6-4E4C-BE11-D942386799BD}" type="datetime1">
               <a:rPr lang="en-US" smtClean="0"/>
               <a:t>9/16/2014</a:t>
             </a:fld>
@@ -4464,7 +4548,7 @@
           <a:bodyPr/>
           <a:lstStyle/>
           <a:p>
-            <a:fld id="{AA2BA4C4-4124-4F1E-8DC3-EF7BB95E200E}" type="datetimeFigureOut">
+            <a:fld id="{0EC352A2-18F2-4472-AB44-5132B45950AD}" type="datetime1">
               <a:rPr lang="en-US" smtClean="0"/>
               <a:t>9/16/2014</a:t>
             </a:fld>
@@ -4728,7 +4812,7 @@
           <a:bodyPr/>
           <a:lstStyle/>
           <a:p>
-            <a:fld id="{AA2BA4C4-4124-4F1E-8DC3-EF7BB95E200E}" type="datetimeFigureOut">
+            <a:fld id="{F3FFB2D5-1AE7-475A-AE83-347E881455BD}" type="datetime1">
               <a:rPr lang="en-US" smtClean="0"/>
               <a:t>9/16/2014</a:t>
             </a:fld>
@@ -5051,7 +5135,7 @@
           <a:bodyPr/>
           <a:lstStyle/>
           <a:p>
-            <a:fld id="{AA2BA4C4-4124-4F1E-8DC3-EF7BB95E200E}" type="datetimeFigureOut">
+            <a:fld id="{EE7B2560-E160-43C2-AEF5-B7D3638228BF}" type="datetime1">
               <a:rPr lang="en-US" smtClean="0"/>
               <a:t>9/16/2014</a:t>
             </a:fld>
@@ -5440,7 +5524,7 @@
           <a:bodyPr/>
           <a:lstStyle/>
           <a:p>
-            <a:fld id="{AA2BA4C4-4124-4F1E-8DC3-EF7BB95E200E}" type="datetimeFigureOut">
+            <a:fld id="{29FA395D-E3E0-4C16-9D23-4D60CAD65E83}" type="datetime1">
               <a:rPr lang="en-US" smtClean="0"/>
               <a:t>9/16/2014</a:t>
             </a:fld>
@@ -5816,7 +5900,7 @@
           <a:bodyPr/>
           <a:lstStyle/>
           <a:p>
-            <a:fld id="{AA2BA4C4-4124-4F1E-8DC3-EF7BB95E200E}" type="datetimeFigureOut">
+            <a:fld id="{1AF79D18-FA97-49B8-8CEE-3642C14A1641}" type="datetime1">
               <a:rPr lang="en-US" smtClean="0"/>
               <a:t>9/16/2014</a:t>
             </a:fld>
@@ -6322,7 +6406,7 @@
           <a:bodyPr/>
           <a:lstStyle/>
           <a:p>
-            <a:fld id="{AA2BA4C4-4124-4F1E-8DC3-EF7BB95E200E}" type="datetimeFigureOut">
+            <a:fld id="{F86DFEDF-AAB7-4755-9EE2-546D59112399}" type="datetime1">
               <a:rPr lang="en-US" smtClean="0"/>
               <a:t>9/16/2014</a:t>
             </a:fld>
@@ -6579,7 +6663,7 @@
           <a:bodyPr/>
           <a:lstStyle/>
           <a:p>
-            <a:fld id="{AA2BA4C4-4124-4F1E-8DC3-EF7BB95E200E}" type="datetimeFigureOut">
+            <a:fld id="{D7E28690-47D8-4EA1-BAE1-27691C39407D}" type="datetime1">
               <a:rPr lang="en-US" smtClean="0"/>
               <a:t>9/16/2014</a:t>
             </a:fld>
@@ -6742,7 +6826,7 @@
           <a:bodyPr/>
           <a:lstStyle/>
           <a:p>
-            <a:fld id="{AA2BA4C4-4124-4F1E-8DC3-EF7BB95E200E}" type="datetimeFigureOut">
+            <a:fld id="{9142661F-C0C4-459A-A024-C7519CA9492E}" type="datetime1">
               <a:rPr lang="en-US" smtClean="0"/>
               <a:t>9/16/2014</a:t>
             </a:fld>
@@ -7132,7 +7216,7 @@
           <a:bodyPr/>
           <a:lstStyle/>
           <a:p>
-            <a:fld id="{AA2BA4C4-4124-4F1E-8DC3-EF7BB95E200E}" type="datetimeFigureOut">
+            <a:fld id="{C59C4AE1-0711-475B-84FB-DAE713E74732}" type="datetime1">
               <a:rPr lang="en-US" smtClean="0"/>
               <a:t>9/16/2014</a:t>
             </a:fld>
@@ -7541,7 +7625,7 @@
           <a:bodyPr/>
           <a:lstStyle/>
           <a:p>
-            <a:fld id="{AA2BA4C4-4124-4F1E-8DC3-EF7BB95E200E}" type="datetimeFigureOut">
+            <a:fld id="{394FAF10-19C8-4DDC-820D-2063471FD63E}" type="datetime1">
               <a:rPr lang="en-US" smtClean="0"/>
               <a:t>9/16/2014</a:t>
             </a:fld>
@@ -7785,7 +7869,7 @@
             </a:lvl1pPr>
           </a:lstStyle>
           <a:p>
-            <a:fld id="{AA2BA4C4-4124-4F1E-8DC3-EF7BB95E200E}" type="datetimeFigureOut">
+            <a:fld id="{1DA3376A-45DC-4E59-9CD9-A3A097B44A45}" type="datetime1">
               <a:rPr lang="en-US" smtClean="0"/>
               <a:t>9/16/2014</a:t>
             </a:fld>
@@ -7898,6 +7982,7 @@
     <p:sldLayoutId id="2147483676" r:id="rId16"/>
     <p:sldLayoutId id="2147483677" r:id="rId17"/>
   </p:sldLayoutIdLst>
+  <p:hf hdr="0" ftr="0" dt="0"/>
   <p:txStyles>
     <p:titleStyle>
       <a:lvl1pPr algn="l" defTabSz="914400" rtl="0" eaLnBrk="1" latinLnBrk="0" hangingPunct="1">
@@ -8244,6 +8329,29 @@
           </a:p>
         </p:txBody>
       </p:sp>
+      <p:sp>
+        <p:nvSpPr>
+          <p:cNvPr id="4" name="Slide Number Placeholder 3"/>
+          <p:cNvSpPr>
+            <a:spLocks noGrp="1"/>
+          </p:cNvSpPr>
+          <p:nvPr>
+            <p:ph type="sldNum" sz="quarter" idx="12"/>
+          </p:nvPr>
+        </p:nvSpPr>
+        <p:spPr/>
+        <p:txBody>
+          <a:bodyPr/>
+          <a:lstStyle/>
+          <a:p>
+            <a:fld id="{1E3FABA8-6072-4CB2-9853-4B3529328252}" type="slidenum">
+              <a:rPr lang="en-US" smtClean="0"/>
+              <a:t>1</a:t>
+            </a:fld>
+            <a:endParaRPr lang="en-US"/>
+          </a:p>
+        </p:txBody>
+      </p:sp>
     </p:spTree>
     <p:extLst>
       <p:ext uri="{BB962C8B-B14F-4D97-AF65-F5344CB8AC3E}">
@@ -8321,8 +8429,13 @@
           <a:p>
             <a:r>
               <a:rPr lang="en-US" dirty="0" smtClean="0"/>
-              <a:t>SRS submitted for initial review</a:t>
-            </a:r>
+              <a:t>SRS </a:t>
+            </a:r>
+            <a:r>
+              <a:rPr lang="en-US" dirty="0" smtClean="0"/>
+              <a:t>from initial review</a:t>
+            </a:r>
+            <a:endParaRPr lang="en-US" dirty="0" smtClean="0"/>
           </a:p>
           <a:p>
             <a:endParaRPr lang="en-US" dirty="0"/>
@@ -8337,21 +8450,42 @@
             <a:pPr lvl="1"/>
             <a:r>
               <a:rPr lang="en-US" dirty="0" smtClean="0"/>
-              <a:t>Details on challenge completion</a:t>
-            </a:r>
-          </a:p>
-          <a:p>
-            <a:pPr lvl="2"/>
+              <a:t>Details on challenge </a:t>
+            </a:r>
             <a:r>
               <a:rPr lang="en-US" dirty="0" smtClean="0"/>
-              <a:t>“Cheating” the Simon system</a:t>
-            </a:r>
+              <a:t>completion</a:t>
+            </a:r>
+            <a:endParaRPr lang="en-US" dirty="0" smtClean="0"/>
           </a:p>
           <a:p>
             <a:pPr marL="914400" lvl="2" indent="0">
               <a:buNone/>
             </a:pPr>
             <a:endParaRPr lang="en-US" dirty="0"/>
+          </a:p>
+        </p:txBody>
+      </p:sp>
+      <p:sp>
+        <p:nvSpPr>
+          <p:cNvPr id="4" name="Slide Number Placeholder 3"/>
+          <p:cNvSpPr>
+            <a:spLocks noGrp="1"/>
+          </p:cNvSpPr>
+          <p:nvPr>
+            <p:ph type="sldNum" sz="quarter" idx="12"/>
+          </p:nvPr>
+        </p:nvSpPr>
+        <p:spPr/>
+        <p:txBody>
+          <a:bodyPr/>
+          <a:lstStyle/>
+          <a:p>
+            <a:fld id="{1E3FABA8-6072-4CB2-9853-4B3529328252}" type="slidenum">
+              <a:rPr lang="en-US" smtClean="0"/>
+              <a:t>2</a:t>
+            </a:fld>
+            <a:endParaRPr lang="en-US"/>
           </a:p>
         </p:txBody>
       </p:sp>
@@ -8483,6 +8617,29 @@
           </a:p>
         </p:txBody>
       </p:sp>
+      <p:sp>
+        <p:nvSpPr>
+          <p:cNvPr id="4" name="Slide Number Placeholder 3"/>
+          <p:cNvSpPr>
+            <a:spLocks noGrp="1"/>
+          </p:cNvSpPr>
+          <p:nvPr>
+            <p:ph type="sldNum" sz="quarter" idx="12"/>
+          </p:nvPr>
+        </p:nvSpPr>
+        <p:spPr/>
+        <p:txBody>
+          <a:bodyPr/>
+          <a:lstStyle/>
+          <a:p>
+            <a:fld id="{1E3FABA8-6072-4CB2-9853-4B3529328252}" type="slidenum">
+              <a:rPr lang="en-US" smtClean="0"/>
+              <a:t>3</a:t>
+            </a:fld>
+            <a:endParaRPr lang="en-US"/>
+          </a:p>
+        </p:txBody>
+      </p:sp>
     </p:spTree>
     <p:extLst>
       <p:ext uri="{BB962C8B-B14F-4D97-AF65-F5344CB8AC3E}">
@@ -8565,13 +8722,8 @@
             </a:pPr>
             <a:r>
               <a:rPr lang="en-US" sz="2400" dirty="0"/>
-              <a:t>The </a:t>
-            </a:r>
-            <a:r>
-              <a:rPr lang="en-US" sz="2400" dirty="0"/>
-              <a:t>system shall track its movement along the Scotch Blue Painter’s tape. </a:t>
-            </a:r>
-            <a:endParaRPr lang="en-US" sz="2400" dirty="0"/>
+              <a:t>The system shall track its movement along the Scotch Blue Painter’s tape. </a:t>
+            </a:r>
           </a:p>
           <a:p>
             <a:pPr marL="228600" lvl="2">
@@ -8593,6 +8745,29 @@
               <a:buNone/>
             </a:pPr>
             <a:endParaRPr lang="en-US" dirty="0"/>
+          </a:p>
+        </p:txBody>
+      </p:sp>
+      <p:sp>
+        <p:nvSpPr>
+          <p:cNvPr id="4" name="Slide Number Placeholder 3"/>
+          <p:cNvSpPr>
+            <a:spLocks noGrp="1"/>
+          </p:cNvSpPr>
+          <p:nvPr>
+            <p:ph type="sldNum" sz="quarter" idx="12"/>
+          </p:nvPr>
+        </p:nvSpPr>
+        <p:spPr/>
+        <p:txBody>
+          <a:bodyPr/>
+          <a:lstStyle/>
+          <a:p>
+            <a:fld id="{1E3FABA8-6072-4CB2-9853-4B3529328252}" type="slidenum">
+              <a:rPr lang="en-US" smtClean="0"/>
+              <a:t>4</a:t>
+            </a:fld>
+            <a:endParaRPr lang="en-US"/>
           </a:p>
         </p:txBody>
       </p:sp>
@@ -8710,6 +8885,29 @@
           </a:p>
         </p:txBody>
       </p:sp>
+      <p:sp>
+        <p:nvSpPr>
+          <p:cNvPr id="4" name="Slide Number Placeholder 3"/>
+          <p:cNvSpPr>
+            <a:spLocks noGrp="1"/>
+          </p:cNvSpPr>
+          <p:nvPr>
+            <p:ph type="sldNum" sz="quarter" idx="12"/>
+          </p:nvPr>
+        </p:nvSpPr>
+        <p:spPr/>
+        <p:txBody>
+          <a:bodyPr/>
+          <a:lstStyle/>
+          <a:p>
+            <a:fld id="{1E3FABA8-6072-4CB2-9853-4B3529328252}" type="slidenum">
+              <a:rPr lang="en-US" smtClean="0"/>
+              <a:t>5</a:t>
+            </a:fld>
+            <a:endParaRPr lang="en-US"/>
+          </a:p>
+        </p:txBody>
+      </p:sp>
     </p:spTree>
     <p:extLst>
       <p:ext uri="{BB962C8B-B14F-4D97-AF65-F5344CB8AC3E}">
@@ -8767,6 +8965,29 @@
               <a:t>Questions?</a:t>
             </a:r>
             <a:endParaRPr lang="en-US" dirty="0"/>
+          </a:p>
+        </p:txBody>
+      </p:sp>
+      <p:sp>
+        <p:nvSpPr>
+          <p:cNvPr id="3" name="Slide Number Placeholder 2"/>
+          <p:cNvSpPr>
+            <a:spLocks noGrp="1"/>
+          </p:cNvSpPr>
+          <p:nvPr>
+            <p:ph type="sldNum" sz="quarter" idx="12"/>
+          </p:nvPr>
+        </p:nvSpPr>
+        <p:spPr/>
+        <p:txBody>
+          <a:bodyPr/>
+          <a:lstStyle/>
+          <a:p>
+            <a:fld id="{1E3FABA8-6072-4CB2-9853-4B3529328252}" type="slidenum">
+              <a:rPr lang="en-US" smtClean="0"/>
+              <a:t>6</a:t>
+            </a:fld>
+            <a:endParaRPr lang="en-US"/>
           </a:p>
         </p:txBody>
       </p:sp>
